--- a/lectures/03.decorator/decorator.pptx
+++ b/lectures/03.decorator/decorator.pptx
@@ -136,7 +136,7 @@
   </p:defaultTextStyle>
   <p:extLst>
     <p:ext uri="{EFAFB233-063F-42B5-8137-9DF3F51BA10A}">
-      <p15:sldGuideLst xmlns:p15="http://schemas.microsoft.com/office/powerpoint/2012/main" xmlns="">
+      <p15:sldGuideLst xmlns:p15="http://schemas.microsoft.com/office/powerpoint/2012/main">
         <p15:guide id="1" orient="horz" pos="2160">
           <p15:clr>
             <a:srgbClr val="A4A3A4"/>
@@ -235,7 +235,7 @@
           <a:p>
             <a:fld id="{2F3DCB6D-0B48-4A3D-B663-06C3F903A9D3}" type="datetimeFigureOut">
               <a:rPr lang="ru-RU" smtClean="0"/>
-              <a:t>28.03.2016</a:t>
+              <a:t>15.02.2018</a:t>
             </a:fld>
             <a:endParaRPr lang="ru-RU"/>
           </a:p>
@@ -647,9 +647,7 @@
         </p:style>
         <p:txBody>
           <a:bodyPr rtlCol="0" anchor="ctr"/>
-          <a:lstStyle>
-            <a:extLst/>
-          </a:lstStyle>
+          <a:lstStyle/>
           <a:p>
             <a:pPr algn="ctr" eaLnBrk="1" latinLnBrk="0" hangingPunct="1"/>
             <a:endParaRPr kumimoji="0" lang="en-US"/>
@@ -835,7 +833,7 @@
           <a:p>
             <a:fld id="{2590F9C9-AB92-4E86-B698-DEC9BF4350FF}" type="datetimeFigureOut">
               <a:rPr lang="ru-RU" smtClean="0"/>
-              <a:t>28.03.2016</a:t>
+              <a:t>15.02.2018</a:t>
             </a:fld>
             <a:endParaRPr lang="ru-RU"/>
           </a:p>
@@ -928,9 +926,7 @@
         </p:style>
         <p:txBody>
           <a:bodyPr rtlCol="0" anchor="ctr"/>
-          <a:lstStyle>
-            <a:extLst/>
-          </a:lstStyle>
+          <a:lstStyle/>
           <a:p>
             <a:pPr algn="ctr" eaLnBrk="1" latinLnBrk="0" hangingPunct="1"/>
             <a:endParaRPr kumimoji="0" lang="en-US"/>
@@ -982,9 +978,7 @@
         <p:spPr/>
         <p:txBody>
           <a:bodyPr/>
-          <a:lstStyle>
-            <a:extLst/>
-          </a:lstStyle>
+          <a:lstStyle/>
           <a:p>
             <a:r>
               <a:rPr kumimoji="0" lang="ru-RU" smtClean="0"/>
@@ -1007,9 +1001,7 @@
         <p:spPr/>
         <p:txBody>
           <a:bodyPr vert="eaVert"/>
-          <a:lstStyle>
-            <a:extLst/>
-          </a:lstStyle>
+          <a:lstStyle/>
           <a:p>
             <a:pPr lvl="0" eaLnBrk="1" latinLnBrk="0" hangingPunct="1"/>
             <a:r>
@@ -1065,7 +1057,7 @@
           <a:p>
             <a:fld id="{2590F9C9-AB92-4E86-B698-DEC9BF4350FF}" type="datetimeFigureOut">
               <a:rPr lang="ru-RU" smtClean="0"/>
-              <a:t>28.03.2016</a:t>
+              <a:t>15.02.2018</a:t>
             </a:fld>
             <a:endParaRPr lang="ru-RU"/>
           </a:p>
@@ -1183,9 +1175,7 @@
         </p:style>
         <p:txBody>
           <a:bodyPr rtlCol="0" anchor="ctr"/>
-          <a:lstStyle>
-            <a:extLst/>
-          </a:lstStyle>
+          <a:lstStyle/>
           <a:p>
             <a:pPr algn="ctr" eaLnBrk="1" latinLnBrk="0" hangingPunct="1"/>
             <a:endParaRPr kumimoji="0" lang="en-US"/>
@@ -1230,9 +1220,7 @@
         </p:style>
         <p:txBody>
           <a:bodyPr rtlCol="0" anchor="ctr"/>
-          <a:lstStyle>
-            <a:extLst/>
-          </a:lstStyle>
+          <a:lstStyle/>
           <a:p>
             <a:pPr algn="ctr" eaLnBrk="1" latinLnBrk="0" hangingPunct="1"/>
             <a:endParaRPr kumimoji="0" lang="en-US"/>
@@ -1257,9 +1245,7 @@
         </p:spPr>
         <p:txBody>
           <a:bodyPr vert="eaVert"/>
-          <a:lstStyle>
-            <a:extLst/>
-          </a:lstStyle>
+          <a:lstStyle/>
           <a:p>
             <a:r>
               <a:rPr kumimoji="0" lang="ru-RU" smtClean="0"/>
@@ -1287,9 +1273,7 @@
         </p:spPr>
         <p:txBody>
           <a:bodyPr vert="eaVert"/>
-          <a:lstStyle>
-            <a:extLst/>
-          </a:lstStyle>
+          <a:lstStyle/>
           <a:p>
             <a:pPr lvl="0" eaLnBrk="1" latinLnBrk="0" hangingPunct="1"/>
             <a:r>
@@ -1345,7 +1329,7 @@
           <a:p>
             <a:fld id="{2590F9C9-AB92-4E86-B698-DEC9BF4350FF}" type="datetimeFigureOut">
               <a:rPr lang="ru-RU" smtClean="0"/>
-              <a:t>28.03.2016</a:t>
+              <a:t>15.02.2018</a:t>
             </a:fld>
             <a:endParaRPr lang="ru-RU"/>
           </a:p>
@@ -1441,9 +1425,7 @@
         </p:spPr>
         <p:txBody>
           <a:bodyPr/>
-          <a:lstStyle>
-            <a:extLst/>
-          </a:lstStyle>
+          <a:lstStyle/>
           <a:p>
             <a:r>
               <a:rPr kumimoji="0" lang="ru-RU" smtClean="0"/>
@@ -1466,9 +1448,7 @@
         <p:spPr/>
         <p:txBody>
           <a:bodyPr/>
-          <a:lstStyle>
-            <a:extLst/>
-          </a:lstStyle>
+          <a:lstStyle/>
           <a:p>
             <a:pPr lvl="0" eaLnBrk="1" latinLnBrk="0" hangingPunct="1"/>
             <a:r>
@@ -1524,7 +1504,7 @@
           <a:p>
             <a:fld id="{2590F9C9-AB92-4E86-B698-DEC9BF4350FF}" type="datetimeFigureOut">
               <a:rPr lang="ru-RU" smtClean="0"/>
-              <a:t>28.03.2016</a:t>
+              <a:t>15.02.2018</a:t>
             </a:fld>
             <a:endParaRPr lang="ru-RU"/>
           </a:p>
@@ -1647,9 +1627,7 @@
         </p:style>
         <p:txBody>
           <a:bodyPr rtlCol="0" anchor="ctr"/>
-          <a:lstStyle>
-            <a:extLst/>
-          </a:lstStyle>
+          <a:lstStyle/>
           <a:p>
             <a:pPr algn="ctr" eaLnBrk="1" latinLnBrk="0" hangingPunct="1"/>
             <a:endParaRPr kumimoji="0" lang="en-US"/>
@@ -1701,9 +1679,7 @@
         </p:style>
         <p:txBody>
           <a:bodyPr rtlCol="0" anchor="ctr"/>
-          <a:lstStyle>
-            <a:extLst/>
-          </a:lstStyle>
+          <a:lstStyle/>
           <a:p>
             <a:pPr algn="ctr" eaLnBrk="1" latinLnBrk="0" hangingPunct="1"/>
             <a:endParaRPr kumimoji="0" lang="en-US"/>
@@ -1889,7 +1865,7 @@
           <a:p>
             <a:fld id="{2590F9C9-AB92-4E86-B698-DEC9BF4350FF}" type="datetimeFigureOut">
               <a:rPr lang="ru-RU" smtClean="0"/>
-              <a:t>28.03.2016</a:t>
+              <a:t>15.02.2018</a:t>
             </a:fld>
             <a:endParaRPr lang="ru-RU"/>
           </a:p>
@@ -1982,9 +1958,7 @@
         <p:spPr/>
         <p:txBody>
           <a:bodyPr/>
-          <a:lstStyle>
-            <a:extLst/>
-          </a:lstStyle>
+          <a:lstStyle/>
           <a:p>
             <a:r>
               <a:rPr kumimoji="0" lang="ru-RU" smtClean="0"/>
@@ -2183,7 +2157,7 @@
           <a:p>
             <a:fld id="{2590F9C9-AB92-4E86-B698-DEC9BF4350FF}" type="datetimeFigureOut">
               <a:rPr lang="ru-RU" smtClean="0"/>
-              <a:t>28.03.2016</a:t>
+              <a:t>15.02.2018</a:t>
             </a:fld>
             <a:endParaRPr lang="ru-RU"/>
           </a:p>
@@ -2605,7 +2579,7 @@
           <a:p>
             <a:fld id="{2590F9C9-AB92-4E86-B698-DEC9BF4350FF}" type="datetimeFigureOut">
               <a:rPr lang="ru-RU" smtClean="0"/>
-              <a:t>28.03.2016</a:t>
+              <a:t>15.02.2018</a:t>
             </a:fld>
             <a:endParaRPr lang="ru-RU"/>
           </a:p>
@@ -2691,9 +2665,7 @@
         <p:spPr/>
         <p:txBody>
           <a:bodyPr/>
-          <a:lstStyle>
-            <a:extLst/>
-          </a:lstStyle>
+          <a:lstStyle/>
           <a:p>
             <a:r>
               <a:rPr kumimoji="0" lang="ru-RU" smtClean="0"/>
@@ -2720,7 +2692,7 @@
           <a:p>
             <a:fld id="{2590F9C9-AB92-4E86-B698-DEC9BF4350FF}" type="datetimeFigureOut">
               <a:rPr lang="ru-RU" smtClean="0"/>
-              <a:t>28.03.2016</a:t>
+              <a:t>15.02.2018</a:t>
             </a:fld>
             <a:endParaRPr lang="ru-RU"/>
           </a:p>
@@ -2817,7 +2789,7 @@
           <a:p>
             <a:fld id="{2590F9C9-AB92-4E86-B698-DEC9BF4350FF}" type="datetimeFigureOut">
               <a:rPr lang="ru-RU" smtClean="0"/>
-              <a:t>28.03.2016</a:t>
+              <a:t>15.02.2018</a:t>
             </a:fld>
             <a:endParaRPr lang="ru-RU"/>
           </a:p>
@@ -3102,7 +3074,7 @@
           <a:p>
             <a:fld id="{2590F9C9-AB92-4E86-B698-DEC9BF4350FF}" type="datetimeFigureOut">
               <a:rPr lang="ru-RU" smtClean="0"/>
-              <a:t>28.03.2016</a:t>
+              <a:t>15.02.2018</a:t>
             </a:fld>
             <a:endParaRPr lang="ru-RU"/>
           </a:p>
@@ -3188,9 +3160,7 @@
         </p:style>
         <p:txBody>
           <a:bodyPr rtlCol="0" anchor="ctr"/>
-          <a:lstStyle>
-            <a:extLst/>
-          </a:lstStyle>
+          <a:lstStyle/>
           <a:p>
             <a:pPr algn="ctr" eaLnBrk="1" latinLnBrk="0" hangingPunct="1"/>
             <a:endParaRPr kumimoji="0" lang="en-US"/>
@@ -3235,9 +3205,7 @@
         </p:style>
         <p:txBody>
           <a:bodyPr rtlCol="0" anchor="ctr"/>
-          <a:lstStyle>
-            <a:extLst/>
-          </a:lstStyle>
+          <a:lstStyle/>
           <a:p>
             <a:pPr algn="ctr" eaLnBrk="1" latinLnBrk="0" hangingPunct="1"/>
             <a:endParaRPr kumimoji="0" lang="en-US"/>
@@ -3468,7 +3436,7 @@
           <a:p>
             <a:fld id="{2590F9C9-AB92-4E86-B698-DEC9BF4350FF}" type="datetimeFigureOut">
               <a:rPr lang="ru-RU" smtClean="0"/>
-              <a:t>28.03.2016</a:t>
+              <a:t>15.02.2018</a:t>
             </a:fld>
             <a:endParaRPr lang="ru-RU"/>
           </a:p>
@@ -3512,9 +3480,7 @@
         </p:style>
         <p:txBody>
           <a:bodyPr rtlCol="0" anchor="ctr"/>
-          <a:lstStyle>
-            <a:extLst/>
-          </a:lstStyle>
+          <a:lstStyle/>
           <a:p>
             <a:pPr algn="ctr" eaLnBrk="1" latinLnBrk="0" hangingPunct="1"/>
             <a:endParaRPr kumimoji="0" lang="en-US"/>
@@ -3559,9 +3525,7 @@
         </p:style>
         <p:txBody>
           <a:bodyPr rtlCol="0" anchor="ctr"/>
-          <a:lstStyle>
-            <a:extLst/>
-          </a:lstStyle>
+          <a:lstStyle/>
           <a:p>
             <a:pPr algn="ctr" eaLnBrk="1" latinLnBrk="0" hangingPunct="1"/>
             <a:endParaRPr kumimoji="0" lang="en-US"/>
@@ -3705,9 +3669,7 @@
         </p:style>
         <p:txBody>
           <a:bodyPr rtlCol="0" anchor="ctr"/>
-          <a:lstStyle>
-            <a:extLst/>
-          </a:lstStyle>
+          <a:lstStyle/>
           <a:p>
             <a:pPr algn="ctr" eaLnBrk="1" latinLnBrk="0" hangingPunct="1"/>
             <a:endParaRPr kumimoji="0" lang="en-US"/>
@@ -3752,9 +3714,7 @@
         </p:style>
         <p:txBody>
           <a:bodyPr rtlCol="0" anchor="ctr"/>
-          <a:lstStyle>
-            <a:extLst/>
-          </a:lstStyle>
+          <a:lstStyle/>
           <a:p>
             <a:pPr algn="ctr" eaLnBrk="1" latinLnBrk="0" hangingPunct="1"/>
             <a:endParaRPr kumimoji="0" lang="en-US"/>
@@ -3793,9 +3753,7 @@
               <a:bevelT w="50800" h="10160"/>
             </a:sp3d>
           </a:bodyPr>
-          <a:lstStyle>
-            <a:extLst/>
-          </a:lstStyle>
+          <a:lstStyle/>
           <a:p>
             <a:r>
               <a:rPr kumimoji="0" lang="ru-RU" smtClean="0"/>
@@ -3828,9 +3786,7 @@
           <a:bodyPr vert="horz" lIns="54864" tIns="91440" rtlCol="0">
             <a:normAutofit/>
           </a:bodyPr>
-          <a:lstStyle>
-            <a:extLst/>
-          </a:lstStyle>
+          <a:lstStyle/>
           <a:p>
             <a:pPr lvl="0" eaLnBrk="1" latinLnBrk="0" hangingPunct="1"/>
             <a:r>
@@ -3905,7 +3861,7 @@
           <a:p>
             <a:fld id="{2590F9C9-AB92-4E86-B698-DEC9BF4350FF}" type="datetimeFigureOut">
               <a:rPr lang="ru-RU" smtClean="0"/>
-              <a:t>28.03.2016</a:t>
+              <a:t>15.02.2018</a:t>
             </a:fld>
             <a:endParaRPr lang="ru-RU"/>
           </a:p>
@@ -19928,7 +19884,7 @@
         <p:spPr>
           <a:xfrm>
             <a:off x="0" y="1484784"/>
-            <a:ext cx="8856984" cy="2322174"/>
+            <a:ext cx="9144000" cy="2923877"/>
           </a:xfrm>
           <a:prstGeom prst="rect">
             <a:avLst/>
@@ -19949,7 +19905,7 @@
               </a:spcAft>
             </a:pPr>
             <a:r>
-              <a:rPr lang="en-US" sz="1400" dirty="0" smtClean="0">
+              <a:rPr lang="en-US" sz="1600" dirty="0" smtClean="0">
                 <a:solidFill>
                   <a:srgbClr val="0000FF"/>
                 </a:solidFill>
@@ -19960,7 +19916,7 @@
               <a:t>template</a:t>
             </a:r>
             <a:r>
-              <a:rPr lang="en-US" sz="1400" dirty="0" smtClean="0">
+              <a:rPr lang="en-US" sz="1600" dirty="0" smtClean="0">
                 <a:solidFill>
                   <a:srgbClr val="000000"/>
                 </a:solidFill>
@@ -19971,7 +19927,7 @@
               <a:t> </a:t>
             </a:r>
             <a:r>
-              <a:rPr lang="en-US" sz="1400" dirty="0">
+              <a:rPr lang="en-US" sz="1600" dirty="0">
                 <a:solidFill>
                   <a:srgbClr val="000000"/>
                 </a:solidFill>
@@ -19982,7 +19938,7 @@
               <a:t>&lt;</a:t>
             </a:r>
             <a:r>
-              <a:rPr lang="en-US" sz="1400" dirty="0" err="1">
+              <a:rPr lang="en-US" sz="1600" dirty="0" err="1">
                 <a:solidFill>
                   <a:srgbClr val="0000FF"/>
                 </a:solidFill>
@@ -19993,7 +19949,7 @@
               <a:t>typename</a:t>
             </a:r>
             <a:r>
-              <a:rPr lang="en-US" sz="1400" dirty="0">
+              <a:rPr lang="en-US" sz="1600" dirty="0">
                 <a:solidFill>
                   <a:srgbClr val="000000"/>
                 </a:solidFill>
@@ -20004,7 +19960,7 @@
               <a:t> </a:t>
             </a:r>
             <a:r>
-              <a:rPr lang="en-US" sz="1400" dirty="0" smtClean="0">
+              <a:rPr lang="en-US" sz="1600" dirty="0" smtClean="0">
                 <a:solidFill>
                   <a:srgbClr val="2B91AF"/>
                 </a:solidFill>
@@ -20015,7 +19971,7 @@
               <a:t>Decorator</a:t>
             </a:r>
             <a:r>
-              <a:rPr lang="en-US" sz="1400" dirty="0" smtClean="0">
+              <a:rPr lang="en-US" sz="1600" dirty="0" smtClean="0">
                 <a:solidFill>
                   <a:srgbClr val="000000"/>
                 </a:solidFill>
@@ -20026,7 +19982,7 @@
               <a:t>, </a:t>
             </a:r>
             <a:r>
-              <a:rPr lang="en-US" sz="1400" dirty="0" err="1">
+              <a:rPr lang="en-US" sz="1600" dirty="0" err="1">
                 <a:solidFill>
                   <a:srgbClr val="0000FF"/>
                 </a:solidFill>
@@ -20037,7 +19993,7 @@
               <a:t>typename</a:t>
             </a:r>
             <a:r>
-              <a:rPr lang="en-US" sz="1400" dirty="0">
+              <a:rPr lang="en-US" sz="1600" dirty="0">
                 <a:solidFill>
                   <a:srgbClr val="000000"/>
                 </a:solidFill>
@@ -20048,7 +20004,7 @@
               <a:t>... </a:t>
             </a:r>
             <a:r>
-              <a:rPr lang="en-US" sz="1400" dirty="0" err="1">
+              <a:rPr lang="en-US" sz="1600" dirty="0" err="1">
                 <a:solidFill>
                   <a:srgbClr val="2B91AF"/>
                 </a:solidFill>
@@ -20059,7 +20015,7 @@
               <a:t>Args</a:t>
             </a:r>
             <a:r>
-              <a:rPr lang="en-US" sz="1400" dirty="0">
+              <a:rPr lang="en-US" sz="1600" dirty="0">
                 <a:solidFill>
                   <a:srgbClr val="000000"/>
                 </a:solidFill>
@@ -20069,7 +20025,7 @@
               </a:rPr>
               <a:t>&gt;</a:t>
             </a:r>
-            <a:endParaRPr lang="ru-RU" sz="1400" dirty="0">
+            <a:endParaRPr lang="ru-RU" sz="1600" dirty="0">
               <a:ea typeface="Calibri"/>
               <a:cs typeface="Times New Roman"/>
             </a:endParaRPr>
@@ -20084,7 +20040,7 @@
               </a:spcAft>
             </a:pPr>
             <a:r>
-              <a:rPr lang="en-US" sz="1400" dirty="0" smtClean="0">
+              <a:rPr lang="en-US" sz="1600" dirty="0" smtClean="0">
                 <a:solidFill>
                   <a:srgbClr val="0000FF"/>
                 </a:solidFill>
@@ -20095,7 +20051,7 @@
               <a:t>auto</a:t>
             </a:r>
             <a:r>
-              <a:rPr lang="en-US" sz="1400" dirty="0" smtClean="0">
+              <a:rPr lang="en-US" sz="1600" dirty="0" smtClean="0">
                 <a:solidFill>
                   <a:srgbClr val="000000"/>
                 </a:solidFill>
@@ -20106,7 +20062,7 @@
               <a:t> </a:t>
             </a:r>
             <a:r>
-              <a:rPr lang="en-US" sz="1400" dirty="0" err="1" smtClean="0">
+              <a:rPr lang="en-US" sz="1600" dirty="0" err="1" smtClean="0">
                 <a:solidFill>
                   <a:srgbClr val="000000"/>
                 </a:solidFill>
@@ -20117,7 +20073,7 @@
               <a:t>DecorateWith</a:t>
             </a:r>
             <a:r>
-              <a:rPr lang="en-US" sz="1400" dirty="0" smtClean="0">
+              <a:rPr lang="en-US" sz="1600" dirty="0" smtClean="0">
                 <a:solidFill>
                   <a:srgbClr val="000000"/>
                 </a:solidFill>
@@ -20128,7 +20084,7 @@
               <a:t>(</a:t>
             </a:r>
             <a:r>
-              <a:rPr lang="en-US" sz="1400" dirty="0" err="1" smtClean="0">
+              <a:rPr lang="en-US" sz="1600" dirty="0" err="1" smtClean="0">
                 <a:solidFill>
                   <a:srgbClr val="0000FF"/>
                 </a:solidFill>
@@ -20139,7 +20095,7 @@
               <a:t>const</a:t>
             </a:r>
             <a:r>
-              <a:rPr lang="en-US" sz="1400" dirty="0" smtClean="0">
+              <a:rPr lang="en-US" sz="1600" dirty="0" smtClean="0">
                 <a:solidFill>
                   <a:srgbClr val="000000"/>
                 </a:solidFill>
@@ -20150,7 +20106,7 @@
               <a:t> </a:t>
             </a:r>
             <a:r>
-              <a:rPr lang="en-US" sz="1400" dirty="0" err="1">
+              <a:rPr lang="en-US" sz="1600" dirty="0" err="1">
                 <a:solidFill>
                   <a:srgbClr val="2B91AF"/>
                 </a:solidFill>
@@ -20161,7 +20117,7 @@
               <a:t>Args</a:t>
             </a:r>
             <a:r>
-              <a:rPr lang="en-US" sz="1400" dirty="0">
+              <a:rPr lang="en-US" sz="1600" dirty="0">
                 <a:solidFill>
                   <a:srgbClr val="000000"/>
                 </a:solidFill>
@@ -20172,7 +20128,7 @@
               <a:t>&amp;...</a:t>
             </a:r>
             <a:r>
-              <a:rPr lang="en-US" sz="1400" dirty="0" err="1">
+              <a:rPr lang="en-US" sz="1600" dirty="0" err="1">
                 <a:solidFill>
                   <a:srgbClr val="808080"/>
                 </a:solidFill>
@@ -20183,7 +20139,7 @@
               <a:t>args</a:t>
             </a:r>
             <a:r>
-              <a:rPr lang="en-US" sz="1400" dirty="0">
+              <a:rPr lang="en-US" sz="1600" dirty="0">
                 <a:solidFill>
                   <a:srgbClr val="000000"/>
                 </a:solidFill>
@@ -20193,7 +20149,7 @@
               </a:rPr>
               <a:t>)</a:t>
             </a:r>
-            <a:endParaRPr lang="ru-RU" sz="1400" dirty="0">
+            <a:endParaRPr lang="ru-RU" sz="1600" dirty="0">
               <a:ea typeface="Calibri"/>
               <a:cs typeface="Times New Roman"/>
             </a:endParaRPr>
@@ -20208,7 +20164,7 @@
               </a:spcAft>
             </a:pPr>
             <a:r>
-              <a:rPr lang="ru-RU" sz="1400" dirty="0">
+              <a:rPr lang="ru-RU" sz="1600" dirty="0">
                 <a:solidFill>
                   <a:srgbClr val="000000"/>
                 </a:solidFill>
@@ -20218,7 +20174,7 @@
               </a:rPr>
               <a:t>{</a:t>
             </a:r>
-            <a:endParaRPr lang="ru-RU" sz="1400" dirty="0">
+            <a:endParaRPr lang="ru-RU" sz="1600" dirty="0">
               <a:ea typeface="Calibri"/>
               <a:cs typeface="Times New Roman"/>
             </a:endParaRPr>
@@ -20233,7 +20189,7 @@
               </a:spcAft>
             </a:pPr>
             <a:r>
-              <a:rPr lang="ru-RU" sz="1400" dirty="0">
+              <a:rPr lang="ru-RU" sz="1600" dirty="0">
                 <a:solidFill>
                   <a:srgbClr val="000000"/>
                 </a:solidFill>
@@ -20244,7 +20200,7 @@
               <a:t>	</a:t>
             </a:r>
             <a:r>
-              <a:rPr lang="ru-RU" sz="1400" dirty="0">
+              <a:rPr lang="ru-RU" sz="1600" dirty="0">
                 <a:solidFill>
                   <a:srgbClr val="008000"/>
                 </a:solidFill>
@@ -20255,7 +20211,7 @@
               <a:t>// Возвращаем функцию, </a:t>
             </a:r>
             <a:r>
-              <a:rPr lang="ru-RU" sz="1400" dirty="0" smtClean="0">
+              <a:rPr lang="ru-RU" sz="1600" dirty="0" smtClean="0">
                 <a:solidFill>
                   <a:srgbClr val="008000"/>
                 </a:solidFill>
@@ -20265,7 +20221,7 @@
               </a:rPr>
               <a:t>декорирующую переданный ей компонент</a:t>
             </a:r>
-            <a:endParaRPr lang="ru-RU" sz="1400" dirty="0">
+            <a:endParaRPr lang="ru-RU" sz="1600" dirty="0">
               <a:ea typeface="Calibri"/>
               <a:cs typeface="Times New Roman"/>
             </a:endParaRPr>
@@ -20280,7 +20236,7 @@
               </a:spcAft>
             </a:pPr>
             <a:r>
-              <a:rPr lang="ru-RU" sz="1400" dirty="0">
+              <a:rPr lang="ru-RU" sz="1600" dirty="0">
                 <a:solidFill>
                   <a:srgbClr val="000000"/>
                 </a:solidFill>
@@ -20291,7 +20247,7 @@
               <a:t>	</a:t>
             </a:r>
             <a:r>
-              <a:rPr lang="ru-RU" sz="1400" dirty="0" err="1">
+              <a:rPr lang="ru-RU" sz="1600" dirty="0" err="1">
                 <a:solidFill>
                   <a:srgbClr val="0000FF"/>
                 </a:solidFill>
@@ -20302,7 +20258,7 @@
               <a:t>return</a:t>
             </a:r>
             <a:r>
-              <a:rPr lang="ru-RU" sz="1400" dirty="0">
+              <a:rPr lang="ru-RU" sz="1600" dirty="0">
                 <a:solidFill>
                   <a:srgbClr val="000000"/>
                 </a:solidFill>
@@ -20313,7 +20269,7 @@
               <a:t> </a:t>
             </a:r>
             <a:r>
-              <a:rPr lang="ru-RU" sz="1400" dirty="0" smtClean="0">
+              <a:rPr lang="ru-RU" sz="1600" dirty="0" smtClean="0">
                 <a:solidFill>
                   <a:srgbClr val="000000"/>
                 </a:solidFill>
@@ -20324,7 +20280,7 @@
               <a:t>[=](</a:t>
             </a:r>
             <a:r>
-              <a:rPr lang="en-US" sz="1400" dirty="0">
+              <a:rPr lang="en-US" sz="1600" dirty="0">
                 <a:solidFill>
                   <a:srgbClr val="0000FF"/>
                 </a:solidFill>
@@ -20335,7 +20291,7 @@
               <a:t>auto</a:t>
             </a:r>
             <a:r>
-              <a:rPr lang="ru-RU" sz="1400" dirty="0" smtClean="0">
+              <a:rPr lang="ru-RU" sz="1600" dirty="0" smtClean="0">
                 <a:solidFill>
                   <a:srgbClr val="000000"/>
                 </a:solidFill>
@@ -20346,7 +20302,7 @@
               <a:t> </a:t>
             </a:r>
             <a:r>
-              <a:rPr lang="ru-RU" sz="1400" dirty="0">
+              <a:rPr lang="ru-RU" sz="1600" dirty="0">
                 <a:solidFill>
                   <a:srgbClr val="000000"/>
                 </a:solidFill>
@@ -20357,7 +20313,7 @@
               <a:t>&amp;&amp; </a:t>
             </a:r>
             <a:r>
-              <a:rPr lang="en-US" sz="1400" dirty="0" smtClean="0">
+              <a:rPr lang="en-US" sz="1600" dirty="0" smtClean="0">
                 <a:solidFill>
                   <a:srgbClr val="808080"/>
                 </a:solidFill>
@@ -20365,10 +20321,10 @@
                 <a:ea typeface="Calibri"/>
                 <a:cs typeface="Times New Roman"/>
               </a:rPr>
-              <a:t>component</a:t>
-            </a:r>
-            <a:r>
-              <a:rPr lang="ru-RU" sz="1400" dirty="0" smtClean="0">
+              <a:t>comp</a:t>
+            </a:r>
+            <a:r>
+              <a:rPr lang="ru-RU" sz="1600" dirty="0" smtClean="0">
                 <a:solidFill>
                   <a:srgbClr val="000000"/>
                 </a:solidFill>
@@ -20379,7 +20335,7 @@
               <a:t>) </a:t>
             </a:r>
             <a:r>
-              <a:rPr lang="ru-RU" sz="1400" dirty="0">
+              <a:rPr lang="ru-RU" sz="1600" dirty="0">
                 <a:solidFill>
                   <a:srgbClr val="000000"/>
                 </a:solidFill>
@@ -20389,7 +20345,7 @@
               </a:rPr>
               <a:t>{</a:t>
             </a:r>
-            <a:endParaRPr lang="ru-RU" sz="1400" dirty="0">
+            <a:endParaRPr lang="ru-RU" sz="1600" dirty="0">
               <a:ea typeface="Calibri"/>
               <a:cs typeface="Times New Roman"/>
             </a:endParaRPr>
@@ -20404,7 +20360,7 @@
               </a:spcAft>
             </a:pPr>
             <a:r>
-              <a:rPr lang="ru-RU" sz="1400" dirty="0">
+              <a:rPr lang="ru-RU" sz="1600" dirty="0">
                 <a:solidFill>
                   <a:srgbClr val="000000"/>
                 </a:solidFill>
@@ -20415,7 +20371,7 @@
               <a:t>		</a:t>
             </a:r>
             <a:r>
-              <a:rPr lang="ru-RU" sz="1400" dirty="0">
+              <a:rPr lang="ru-RU" sz="1600" dirty="0">
                 <a:solidFill>
                   <a:srgbClr val="008000"/>
                 </a:solidFill>
@@ -20426,7 +20382,7 @@
               <a:t>// Функции </a:t>
             </a:r>
             <a:r>
-              <a:rPr lang="ru-RU" sz="1400" dirty="0" err="1">
+              <a:rPr lang="ru-RU" sz="1600" dirty="0" err="1">
                 <a:solidFill>
                   <a:srgbClr val="008000"/>
                 </a:solidFill>
@@ -20437,7 +20393,7 @@
               <a:t>make_unique</a:t>
             </a:r>
             <a:r>
-              <a:rPr lang="ru-RU" sz="1400" dirty="0">
+              <a:rPr lang="ru-RU" sz="1600" dirty="0">
                 <a:solidFill>
                   <a:srgbClr val="008000"/>
                 </a:solidFill>
@@ -20445,9 +20401,24 @@
                 <a:ea typeface="Calibri"/>
                 <a:cs typeface="Times New Roman"/>
               </a:rPr>
-              <a:t> передаем b вместе со списком аргументов внешней функции</a:t>
-            </a:r>
-            <a:endParaRPr lang="ru-RU" sz="1400" dirty="0">
+              <a:t> передаем b вместе со </a:t>
+            </a:r>
+            <a:r>
+              <a:rPr lang="ru-RU" sz="1600" dirty="0" smtClean="0">
+                <a:solidFill>
+                  <a:srgbClr val="008000"/>
+                </a:solidFill>
+                <a:latin typeface="Consolas"/>
+                <a:ea typeface="Calibri"/>
+                <a:cs typeface="Times New Roman"/>
+              </a:rPr>
+              <a:t>списком</a:t>
+            </a:r>
+            <a:endParaRPr lang="en-US" sz="1600" dirty="0" smtClean="0">
+              <a:solidFill>
+                <a:srgbClr val="008000"/>
+              </a:solidFill>
+              <a:latin typeface="Consolas"/>
               <a:ea typeface="Calibri"/>
               <a:cs typeface="Times New Roman"/>
             </a:endParaRPr>
@@ -20462,7 +20433,7 @@
               </a:spcAft>
             </a:pPr>
             <a:r>
-              <a:rPr lang="ru-RU" sz="1400" dirty="0">
+              <a:rPr lang="ru-RU" sz="1600" dirty="0">
                 <a:solidFill>
                   <a:srgbClr val="000000"/>
                 </a:solidFill>
@@ -20473,160 +20444,39 @@
               <a:t>		</a:t>
             </a:r>
             <a:r>
-              <a:rPr lang="en-US" sz="1400" dirty="0">
-                <a:solidFill>
-                  <a:srgbClr val="0000FF"/>
-                </a:solidFill>
-                <a:latin typeface="Consolas"/>
-                <a:ea typeface="Calibri"/>
-                <a:cs typeface="Times New Roman"/>
-              </a:rPr>
-              <a:t>return</a:t>
-            </a:r>
-            <a:r>
-              <a:rPr lang="en-US" sz="1400" dirty="0">
-                <a:solidFill>
-                  <a:srgbClr val="000000"/>
-                </a:solidFill>
-                <a:latin typeface="Consolas"/>
-                <a:ea typeface="Calibri"/>
-                <a:cs typeface="Times New Roman"/>
-              </a:rPr>
-              <a:t> </a:t>
-            </a:r>
-            <a:r>
-              <a:rPr lang="en-US" sz="1400" dirty="0" err="1" smtClean="0">
-                <a:solidFill>
-                  <a:srgbClr val="000000"/>
-                </a:solidFill>
-                <a:latin typeface="Consolas"/>
-                <a:ea typeface="Calibri"/>
-                <a:cs typeface="Times New Roman"/>
-              </a:rPr>
-              <a:t>make_unique</a:t>
-            </a:r>
-            <a:r>
-              <a:rPr lang="en-US" sz="1400" dirty="0" smtClean="0">
-                <a:solidFill>
-                  <a:srgbClr val="000000"/>
-                </a:solidFill>
-                <a:latin typeface="Consolas"/>
-                <a:ea typeface="Calibri"/>
-                <a:cs typeface="Times New Roman"/>
-              </a:rPr>
-              <a:t>&lt;</a:t>
-            </a:r>
-            <a:r>
-              <a:rPr lang="en-US" sz="1400" dirty="0" smtClean="0">
-                <a:solidFill>
-                  <a:srgbClr val="2B91AF"/>
-                </a:solidFill>
-                <a:latin typeface="Consolas"/>
-                <a:ea typeface="Calibri"/>
-                <a:cs typeface="Times New Roman"/>
-              </a:rPr>
-              <a:t>Decorator</a:t>
-            </a:r>
-            <a:r>
-              <a:rPr lang="en-US" sz="1400" dirty="0" smtClean="0">
-                <a:solidFill>
-                  <a:srgbClr val="000000"/>
-                </a:solidFill>
-                <a:latin typeface="Consolas"/>
-                <a:ea typeface="Calibri"/>
-                <a:cs typeface="Times New Roman"/>
-              </a:rPr>
-              <a:t>&gt;(forward&lt;</a:t>
-            </a:r>
-            <a:r>
-              <a:rPr lang="en-US" sz="1400" dirty="0" err="1" smtClean="0">
-                <a:solidFill>
-                  <a:srgbClr val="0000FF"/>
-                </a:solidFill>
-                <a:latin typeface="Consolas"/>
-                <a:ea typeface="Calibri"/>
-                <a:cs typeface="Times New Roman"/>
-              </a:rPr>
-              <a:t>decltype</a:t>
-            </a:r>
-            <a:r>
-              <a:rPr lang="en-US" sz="1400" dirty="0" smtClean="0">
-                <a:solidFill>
-                  <a:srgbClr val="000000"/>
-                </a:solidFill>
-                <a:latin typeface="Consolas"/>
-                <a:ea typeface="Calibri"/>
-                <a:cs typeface="Times New Roman"/>
-              </a:rPr>
-              <a:t>(</a:t>
-            </a:r>
-            <a:r>
-              <a:rPr lang="en-US" sz="1400" dirty="0">
-                <a:solidFill>
-                  <a:srgbClr val="808080"/>
-                </a:solidFill>
-                <a:latin typeface="Consolas"/>
-                <a:ea typeface="Calibri"/>
-                <a:cs typeface="Times New Roman"/>
-              </a:rPr>
-              <a:t>component</a:t>
-            </a:r>
-            <a:r>
-              <a:rPr lang="en-US" sz="1400" dirty="0" smtClean="0">
-                <a:solidFill>
-                  <a:srgbClr val="000000"/>
-                </a:solidFill>
-                <a:latin typeface="Consolas"/>
-                <a:ea typeface="Calibri"/>
-                <a:cs typeface="Times New Roman"/>
-              </a:rPr>
-              <a:t>)&gt;(</a:t>
-            </a:r>
-            <a:r>
-              <a:rPr lang="en-US" sz="1400" dirty="0">
-                <a:solidFill>
-                  <a:srgbClr val="808080"/>
-                </a:solidFill>
-                <a:latin typeface="Consolas"/>
-                <a:ea typeface="Calibri"/>
-                <a:cs typeface="Times New Roman"/>
-              </a:rPr>
-              <a:t>component</a:t>
-            </a:r>
-            <a:r>
-              <a:rPr lang="en-US" sz="1400" dirty="0" smtClean="0">
-                <a:solidFill>
-                  <a:srgbClr val="000000"/>
-                </a:solidFill>
-                <a:latin typeface="Consolas"/>
-                <a:ea typeface="Calibri"/>
-                <a:cs typeface="Times New Roman"/>
-              </a:rPr>
-              <a:t>), </a:t>
-            </a:r>
-            <a:r>
-              <a:rPr lang="en-US" sz="1400" dirty="0" err="1">
-                <a:solidFill>
-                  <a:srgbClr val="808080"/>
-                </a:solidFill>
-                <a:latin typeface="Consolas"/>
-                <a:ea typeface="Calibri"/>
-                <a:cs typeface="Times New Roman"/>
-              </a:rPr>
-              <a:t>args</a:t>
-            </a:r>
-            <a:r>
-              <a:rPr lang="en-US" sz="1400" dirty="0">
-                <a:solidFill>
-                  <a:srgbClr val="000000"/>
-                </a:solidFill>
-                <a:latin typeface="Consolas"/>
-                <a:ea typeface="Calibri"/>
-                <a:cs typeface="Times New Roman"/>
-              </a:rPr>
-              <a:t>...);</a:t>
-            </a:r>
-            <a:endParaRPr lang="ru-RU" sz="1400" dirty="0">
+              <a:rPr lang="en-US" sz="1600" dirty="0" smtClean="0">
+                <a:solidFill>
+                  <a:srgbClr val="008000"/>
+                </a:solidFill>
+                <a:latin typeface="Consolas"/>
+                <a:ea typeface="Calibri"/>
+                <a:cs typeface="Times New Roman"/>
+              </a:rPr>
+              <a:t>// </a:t>
+            </a:r>
+            <a:r>
+              <a:rPr lang="ru-RU" sz="1600" dirty="0" smtClean="0">
+                <a:solidFill>
+                  <a:srgbClr val="008000"/>
+                </a:solidFill>
+                <a:latin typeface="Consolas"/>
+                <a:ea typeface="Calibri"/>
+                <a:cs typeface="Times New Roman"/>
+              </a:rPr>
+              <a:t>аргументов </a:t>
+            </a:r>
+            <a:r>
+              <a:rPr lang="ru-RU" sz="1600" dirty="0">
+                <a:solidFill>
+                  <a:srgbClr val="008000"/>
+                </a:solidFill>
+                <a:latin typeface="Consolas"/>
+                <a:ea typeface="Calibri"/>
+                <a:cs typeface="Times New Roman"/>
+              </a:rPr>
+              <a:t>внешней функции</a:t>
+            </a:r>
+            <a:endParaRPr lang="ru-RU" sz="1600" dirty="0">
               <a:ea typeface="Calibri"/>
               <a:cs typeface="Times New Roman"/>
             </a:endParaRPr>
@@ -20641,7 +20491,197 @@
               </a:spcAft>
             </a:pPr>
             <a:r>
-              <a:rPr lang="en-US" sz="1400" dirty="0">
+              <a:rPr lang="ru-RU" sz="1600" dirty="0">
+                <a:solidFill>
+                  <a:srgbClr val="000000"/>
+                </a:solidFill>
+                <a:latin typeface="Consolas"/>
+                <a:ea typeface="Calibri"/>
+                <a:cs typeface="Times New Roman"/>
+              </a:rPr>
+              <a:t>		</a:t>
+            </a:r>
+            <a:r>
+              <a:rPr lang="en-US" sz="1600" dirty="0">
+                <a:solidFill>
+                  <a:srgbClr val="0000FF"/>
+                </a:solidFill>
+                <a:latin typeface="Consolas"/>
+                <a:ea typeface="Calibri"/>
+                <a:cs typeface="Times New Roman"/>
+              </a:rPr>
+              <a:t>return</a:t>
+            </a:r>
+            <a:r>
+              <a:rPr lang="en-US" sz="1600" dirty="0">
+                <a:solidFill>
+                  <a:srgbClr val="000000"/>
+                </a:solidFill>
+                <a:latin typeface="Consolas"/>
+                <a:ea typeface="Calibri"/>
+                <a:cs typeface="Times New Roman"/>
+              </a:rPr>
+              <a:t> </a:t>
+            </a:r>
+            <a:r>
+              <a:rPr lang="en-US" sz="1600" dirty="0" err="1" smtClean="0">
+                <a:solidFill>
+                  <a:srgbClr val="000000"/>
+                </a:solidFill>
+                <a:latin typeface="Consolas"/>
+                <a:ea typeface="Calibri"/>
+                <a:cs typeface="Times New Roman"/>
+              </a:rPr>
+              <a:t>make_unique</a:t>
+            </a:r>
+            <a:r>
+              <a:rPr lang="en-US" sz="1600" dirty="0" smtClean="0">
+                <a:solidFill>
+                  <a:srgbClr val="000000"/>
+                </a:solidFill>
+                <a:latin typeface="Consolas"/>
+                <a:ea typeface="Calibri"/>
+                <a:cs typeface="Times New Roman"/>
+              </a:rPr>
+              <a:t>&lt;</a:t>
+            </a:r>
+            <a:r>
+              <a:rPr lang="en-US" sz="1600" dirty="0" smtClean="0">
+                <a:solidFill>
+                  <a:srgbClr val="2B91AF"/>
+                </a:solidFill>
+                <a:latin typeface="Consolas"/>
+                <a:ea typeface="Calibri"/>
+                <a:cs typeface="Times New Roman"/>
+              </a:rPr>
+              <a:t>Decorator</a:t>
+            </a:r>
+            <a:r>
+              <a:rPr lang="en-US" sz="1600" dirty="0" smtClean="0">
+                <a:solidFill>
+                  <a:srgbClr val="000000"/>
+                </a:solidFill>
+                <a:latin typeface="Consolas"/>
+                <a:ea typeface="Calibri"/>
+                <a:cs typeface="Times New Roman"/>
+              </a:rPr>
+              <a:t>&gt;(</a:t>
+            </a:r>
+            <a:r>
+              <a:rPr lang="en-US" sz="1600" dirty="0" smtClean="0">
+                <a:solidFill>
+                  <a:srgbClr val="000000"/>
+                </a:solidFill>
+                <a:latin typeface="Consolas"/>
+                <a:ea typeface="Calibri"/>
+                <a:cs typeface="Times New Roman"/>
+              </a:rPr>
+              <a:t>forward&lt;</a:t>
+            </a:r>
+            <a:r>
+              <a:rPr lang="en-US" sz="1600" dirty="0" err="1" smtClean="0">
+                <a:solidFill>
+                  <a:srgbClr val="0000FF"/>
+                </a:solidFill>
+                <a:latin typeface="Consolas"/>
+                <a:ea typeface="Calibri"/>
+                <a:cs typeface="Times New Roman"/>
+              </a:rPr>
+              <a:t>decltype</a:t>
+            </a:r>
+            <a:r>
+              <a:rPr lang="en-US" sz="1600" dirty="0" smtClean="0">
+                <a:solidFill>
+                  <a:srgbClr val="000000"/>
+                </a:solidFill>
+                <a:latin typeface="Consolas"/>
+                <a:ea typeface="Calibri"/>
+                <a:cs typeface="Times New Roman"/>
+              </a:rPr>
+              <a:t>(</a:t>
+            </a:r>
+            <a:r>
+              <a:rPr lang="en-US" sz="1600" dirty="0" smtClean="0">
+                <a:solidFill>
+                  <a:srgbClr val="808080"/>
+                </a:solidFill>
+                <a:latin typeface="Consolas"/>
+                <a:ea typeface="Calibri"/>
+                <a:cs typeface="Times New Roman"/>
+              </a:rPr>
+              <a:t>comp</a:t>
+            </a:r>
+            <a:r>
+              <a:rPr lang="en-US" sz="1600" dirty="0" smtClean="0">
+                <a:solidFill>
+                  <a:srgbClr val="000000"/>
+                </a:solidFill>
+                <a:latin typeface="Consolas"/>
+                <a:ea typeface="Calibri"/>
+                <a:cs typeface="Times New Roman"/>
+              </a:rPr>
+              <a:t>)&gt;(</a:t>
+            </a:r>
+            <a:r>
+              <a:rPr lang="en-US" sz="1600" dirty="0" smtClean="0">
+                <a:solidFill>
+                  <a:srgbClr val="808080"/>
+                </a:solidFill>
+                <a:latin typeface="Consolas"/>
+                <a:ea typeface="Calibri"/>
+                <a:cs typeface="Times New Roman"/>
+              </a:rPr>
+              <a:t>comp</a:t>
+            </a:r>
+            <a:r>
+              <a:rPr lang="en-US" sz="1600" dirty="0" smtClean="0">
+                <a:solidFill>
+                  <a:srgbClr val="000000"/>
+                </a:solidFill>
+                <a:latin typeface="Consolas"/>
+                <a:ea typeface="Calibri"/>
+                <a:cs typeface="Times New Roman"/>
+              </a:rPr>
+              <a:t>), </a:t>
+            </a:r>
+            <a:r>
+              <a:rPr lang="en-US" sz="1600" dirty="0" err="1">
+                <a:solidFill>
+                  <a:srgbClr val="808080"/>
+                </a:solidFill>
+                <a:latin typeface="Consolas"/>
+                <a:ea typeface="Calibri"/>
+                <a:cs typeface="Times New Roman"/>
+              </a:rPr>
+              <a:t>args</a:t>
+            </a:r>
+            <a:r>
+              <a:rPr lang="en-US" sz="1600" dirty="0">
+                <a:solidFill>
+                  <a:srgbClr val="000000"/>
+                </a:solidFill>
+                <a:latin typeface="Consolas"/>
+                <a:ea typeface="Calibri"/>
+                <a:cs typeface="Times New Roman"/>
+              </a:rPr>
+              <a:t>...);</a:t>
+            </a:r>
+            <a:endParaRPr lang="ru-RU" sz="1600" dirty="0">
+              <a:ea typeface="Calibri"/>
+              <a:cs typeface="Times New Roman"/>
+            </a:endParaRPr>
+          </a:p>
+          <a:p>
+            <a:pPr defTabSz="268288">
+              <a:lnSpc>
+                <a:spcPct val="115000"/>
+              </a:lnSpc>
+              <a:spcAft>
+                <a:spcPts val="0"/>
+              </a:spcAft>
+            </a:pPr>
+            <a:r>
+              <a:rPr lang="en-US" sz="1600" dirty="0">
                 <a:solidFill>
                   <a:srgbClr val="000000"/>
                 </a:solidFill>
@@ -20652,7 +20692,7 @@
               <a:t>	</a:t>
             </a:r>
             <a:r>
-              <a:rPr lang="ru-RU" sz="1400" dirty="0">
+              <a:rPr lang="ru-RU" sz="1600" dirty="0">
                 <a:solidFill>
                   <a:srgbClr val="000000"/>
                 </a:solidFill>
@@ -20662,7 +20702,7 @@
               </a:rPr>
               <a:t>};</a:t>
             </a:r>
-            <a:endParaRPr lang="ru-RU" sz="1400" dirty="0">
+            <a:endParaRPr lang="ru-RU" sz="1600" dirty="0">
               <a:ea typeface="Calibri"/>
               <a:cs typeface="Times New Roman"/>
             </a:endParaRPr>
@@ -20677,7 +20717,7 @@
               </a:spcAft>
             </a:pPr>
             <a:r>
-              <a:rPr lang="ru-RU" sz="1400" dirty="0">
+              <a:rPr lang="ru-RU" sz="1600" dirty="0">
                 <a:solidFill>
                   <a:srgbClr val="000000"/>
                 </a:solidFill>
@@ -20687,7 +20727,7 @@
               </a:rPr>
               <a:t>}</a:t>
             </a:r>
-            <a:endParaRPr lang="ru-RU" sz="1400" dirty="0">
+            <a:endParaRPr lang="ru-RU" sz="1600" dirty="0">
               <a:ea typeface="Calibri"/>
               <a:cs typeface="Times New Roman"/>
             </a:endParaRPr>
